--- a/미니포지 가상환경 관련 자료.pptx
+++ b/미니포지 가상환경 관련 자료.pptx
@@ -107,7 +107,65 @@
       </a:defRPr>
     </a:lvl9pPr>
   </p:defaultTextStyle>
+  <p:extLst>
+    <p:ext uri="{EFAFB233-063F-42B5-8137-9DF3F51BA10A}">
+      <p15:sldGuideLst xmlns:p15="http://schemas.microsoft.com/office/powerpoint/2012/main"/>
+    </p:ext>
+  </p:extLst>
 </p:presentation>
+</file>
+
+<file path=ppt/revisionInfo.xml><?xml version="1.0" encoding="utf-8"?>
+<p1510:revInfo xmlns:a="http://schemas.openxmlformats.org/drawingml/2006/main" xmlns:r="http://schemas.openxmlformats.org/officeDocument/2006/relationships" xmlns:p1510="http://schemas.microsoft.com/office/powerpoint/2015/10/main">
+  <p1510:revLst>
+    <p1510:client id="{BF55B96A-E0F2-474F-9E11-C36C7F87C6B2}" v="4" dt="2024-08-13T13:55:16.061"/>
+  </p1510:revLst>
+</p1510:revInfo>
+</file>
+
+<file path=ppt/changesInfos/changesInfo1.xml><?xml version="1.0" encoding="utf-8"?>
+<pc:chgInfo xmlns:a="http://schemas.openxmlformats.org/drawingml/2006/main" xmlns:r="http://schemas.openxmlformats.org/officeDocument/2006/relationships" xmlns:ac="http://schemas.microsoft.com/office/drawing/2013/main/command" xmlns:pc="http://schemas.microsoft.com/office/powerpoint/2013/main/command">
+  <pc:docChgLst>
+    <pc:chgData name="승문 이" userId="db0b58f7dd2d82a0" providerId="LiveId" clId="{BF55B96A-E0F2-474F-9E11-C36C7F87C6B2}"/>
+    <pc:docChg chg="undo custSel modSld">
+      <pc:chgData name="승문 이" userId="db0b58f7dd2d82a0" providerId="LiveId" clId="{BF55B96A-E0F2-474F-9E11-C36C7F87C6B2}" dt="2024-08-13T13:55:16.063" v="83" actId="20577"/>
+      <pc:docMkLst>
+        <pc:docMk/>
+      </pc:docMkLst>
+      <pc:sldChg chg="modSp mod">
+        <pc:chgData name="승문 이" userId="db0b58f7dd2d82a0" providerId="LiveId" clId="{BF55B96A-E0F2-474F-9E11-C36C7F87C6B2}" dt="2024-08-13T13:55:16.063" v="83" actId="20577"/>
+        <pc:sldMkLst>
+          <pc:docMk/>
+          <pc:sldMk cId="4112581353" sldId="256"/>
+        </pc:sldMkLst>
+        <pc:spChg chg="mod">
+          <ac:chgData name="승문 이" userId="db0b58f7dd2d82a0" providerId="LiveId" clId="{BF55B96A-E0F2-474F-9E11-C36C7F87C6B2}" dt="2024-08-13T13:54:40.810" v="0" actId="1076"/>
+          <ac:spMkLst>
+            <pc:docMk/>
+            <pc:sldMk cId="4112581353" sldId="256"/>
+            <ac:spMk id="34" creationId="{1F810228-D842-4F45-54F2-A2921543E9F1}"/>
+          </ac:spMkLst>
+        </pc:spChg>
+        <pc:spChg chg="mod">
+          <ac:chgData name="승문 이" userId="db0b58f7dd2d82a0" providerId="LiveId" clId="{BF55B96A-E0F2-474F-9E11-C36C7F87C6B2}" dt="2024-08-13T13:55:16.063" v="83" actId="20577"/>
+          <ac:spMkLst>
+            <pc:docMk/>
+            <pc:sldMk cId="4112581353" sldId="256"/>
+            <ac:spMk id="36" creationId="{41A595DD-EB1F-E63F-9324-2E8B50063BAA}"/>
+          </ac:spMkLst>
+        </pc:spChg>
+        <pc:spChg chg="mod">
+          <ac:chgData name="승문 이" userId="db0b58f7dd2d82a0" providerId="LiveId" clId="{BF55B96A-E0F2-474F-9E11-C36C7F87C6B2}" dt="2024-08-13T13:54:40.810" v="0" actId="1076"/>
+          <ac:spMkLst>
+            <pc:docMk/>
+            <pc:sldMk cId="4112581353" sldId="256"/>
+            <ac:spMk id="37" creationId="{E260FF8E-E58B-94A0-7C4A-54D4B87485D7}"/>
+          </ac:spMkLst>
+        </pc:spChg>
+      </pc:sldChg>
+    </pc:docChg>
+  </pc:docChgLst>
+</pc:chgInfo>
 </file>
 
 <file path=ppt/notesMasters/notesMaster1.xml><?xml version="1.0" encoding="utf-8"?>
@@ -4102,7 +4160,7 @@
         </p:nvSpPr>
         <p:spPr>
           <a:xfrm>
-            <a:off x="472272" y="3105834"/>
+            <a:off x="472272" y="2852671"/>
             <a:ext cx="3496733" cy="646331"/>
           </a:xfrm>
           <a:prstGeom prst="rect">
@@ -4255,8 +4313,8 @@
         </p:nvSpPr>
         <p:spPr>
           <a:xfrm>
-            <a:off x="472272" y="4521996"/>
-            <a:ext cx="10282814" cy="646331"/>
+            <a:off x="472272" y="4134033"/>
+            <a:ext cx="10282814" cy="923330"/>
           </a:xfrm>
           <a:prstGeom prst="rect">
             <a:avLst/>
@@ -4416,6 +4474,47 @@
             </a:r>
             <a:endParaRPr lang="en-US" altLang="ko-KR" dirty="0"/>
           </a:p>
+          <a:p>
+            <a:r>
+              <a:rPr lang="en-US" altLang="ko-KR" dirty="0"/>
+              <a:t>mamba install </a:t>
+            </a:r>
+            <a:r>
+              <a:rPr lang="en-US" altLang="ko-KR" dirty="0" err="1"/>
+              <a:t>pytorch</a:t>
+            </a:r>
+            <a:r>
+              <a:rPr lang="en-US" altLang="ko-KR" dirty="0"/>
+              <a:t> -c </a:t>
+            </a:r>
+            <a:r>
+              <a:rPr lang="en-US" altLang="ko-KR" dirty="0" err="1"/>
+              <a:t>pytorch</a:t>
+            </a:r>
+            <a:r>
+              <a:rPr lang="en-US" altLang="ko-KR" dirty="0"/>
+              <a:t>  </a:t>
+            </a:r>
+            <a:r>
+              <a:rPr lang="en-US" altLang="ko-KR" dirty="0">
+                <a:sym typeface="Wingdings" panose="05000000000000000000" pitchFamily="2" charset="2"/>
+              </a:rPr>
+              <a:t> </a:t>
+            </a:r>
+            <a:r>
+              <a:rPr lang="ko-KR" altLang="en-US" dirty="0">
+                <a:sym typeface="Wingdings" panose="05000000000000000000" pitchFamily="2" charset="2"/>
+              </a:rPr>
+              <a:t>이 코드도 작동 확인 했습니다</a:t>
+            </a:r>
+            <a:r>
+              <a:rPr lang="en-US" altLang="ko-KR" dirty="0">
+                <a:sym typeface="Wingdings" panose="05000000000000000000" pitchFamily="2" charset="2"/>
+              </a:rPr>
+              <a:t>.</a:t>
+            </a:r>
+            <a:endParaRPr lang="en-US" altLang="ko-KR" dirty="0"/>
+          </a:p>
         </p:txBody>
       </p:sp>
       <p:sp>
@@ -4432,7 +4531,7 @@
         </p:nvSpPr>
         <p:spPr>
           <a:xfrm>
-            <a:off x="762000" y="3831932"/>
+            <a:off x="762000" y="3578769"/>
             <a:ext cx="11255829" cy="369332"/>
           </a:xfrm>
           <a:prstGeom prst="rect">
